--- a/sprint3.pptx
+++ b/sprint3.pptx
@@ -8,10 +8,11 @@
     <p:sldId id="256" r:id="rId2"/>
     <p:sldId id="257" r:id="rId3"/>
     <p:sldId id="258" r:id="rId4"/>
-    <p:sldId id="259" r:id="rId5"/>
-    <p:sldId id="260" r:id="rId6"/>
-    <p:sldId id="261" r:id="rId7"/>
-    <p:sldId id="262" r:id="rId8"/>
+    <p:sldId id="263" r:id="rId5"/>
+    <p:sldId id="259" r:id="rId6"/>
+    <p:sldId id="260" r:id="rId7"/>
+    <p:sldId id="261" r:id="rId8"/>
+    <p:sldId id="262" r:id="rId9"/>
   </p:sldIdLst>
   <p:sldSz cx="12192000" cy="6858000"/>
   <p:notesSz cx="6858000" cy="9144000"/>
@@ -110,6 +111,11 @@
       </a:defRPr>
     </a:lvl9pPr>
   </p:defaultTextStyle>
+  <p:extLst>
+    <p:ext uri="{EFAFB233-063F-42B5-8137-9DF3F51BA10A}">
+      <p15:sldGuideLst xmlns:p15="http://schemas.microsoft.com/office/powerpoint/2012/main"/>
+    </p:ext>
+  </p:extLst>
 </p:presentation>
 </file>
 
@@ -262,7 +268,7 @@
           <a:p>
             <a:fld id="{98D2A0CF-219F-4E66-B630-F8156BB9DCB6}" type="datetimeFigureOut">
               <a:rPr lang="zh-CN" altLang="en-US" smtClean="0"/>
-              <a:t>2022/11/1</a:t>
+              <a:t>2022/11/2</a:t>
             </a:fld>
             <a:endParaRPr lang="zh-CN" altLang="en-US"/>
           </a:p>
@@ -462,7 +468,7 @@
           <a:p>
             <a:fld id="{98D2A0CF-219F-4E66-B630-F8156BB9DCB6}" type="datetimeFigureOut">
               <a:rPr lang="zh-CN" altLang="en-US" smtClean="0"/>
-              <a:t>2022/11/1</a:t>
+              <a:t>2022/11/2</a:t>
             </a:fld>
             <a:endParaRPr lang="zh-CN" altLang="en-US"/>
           </a:p>
@@ -672,7 +678,7 @@
           <a:p>
             <a:fld id="{98D2A0CF-219F-4E66-B630-F8156BB9DCB6}" type="datetimeFigureOut">
               <a:rPr lang="zh-CN" altLang="en-US" smtClean="0"/>
-              <a:t>2022/11/1</a:t>
+              <a:t>2022/11/2</a:t>
             </a:fld>
             <a:endParaRPr lang="zh-CN" altLang="en-US"/>
           </a:p>
@@ -872,7 +878,7 @@
           <a:p>
             <a:fld id="{98D2A0CF-219F-4E66-B630-F8156BB9DCB6}" type="datetimeFigureOut">
               <a:rPr lang="zh-CN" altLang="en-US" smtClean="0"/>
-              <a:t>2022/11/1</a:t>
+              <a:t>2022/11/2</a:t>
             </a:fld>
             <a:endParaRPr lang="zh-CN" altLang="en-US"/>
           </a:p>
@@ -1148,7 +1154,7 @@
           <a:p>
             <a:fld id="{98D2A0CF-219F-4E66-B630-F8156BB9DCB6}" type="datetimeFigureOut">
               <a:rPr lang="zh-CN" altLang="en-US" smtClean="0"/>
-              <a:t>2022/11/1</a:t>
+              <a:t>2022/11/2</a:t>
             </a:fld>
             <a:endParaRPr lang="zh-CN" altLang="en-US"/>
           </a:p>
@@ -1416,7 +1422,7 @@
           <a:p>
             <a:fld id="{98D2A0CF-219F-4E66-B630-F8156BB9DCB6}" type="datetimeFigureOut">
               <a:rPr lang="zh-CN" altLang="en-US" smtClean="0"/>
-              <a:t>2022/11/1</a:t>
+              <a:t>2022/11/2</a:t>
             </a:fld>
             <a:endParaRPr lang="zh-CN" altLang="en-US"/>
           </a:p>
@@ -1831,7 +1837,7 @@
           <a:p>
             <a:fld id="{98D2A0CF-219F-4E66-B630-F8156BB9DCB6}" type="datetimeFigureOut">
               <a:rPr lang="zh-CN" altLang="en-US" smtClean="0"/>
-              <a:t>2022/11/1</a:t>
+              <a:t>2022/11/2</a:t>
             </a:fld>
             <a:endParaRPr lang="zh-CN" altLang="en-US"/>
           </a:p>
@@ -1973,7 +1979,7 @@
           <a:p>
             <a:fld id="{98D2A0CF-219F-4E66-B630-F8156BB9DCB6}" type="datetimeFigureOut">
               <a:rPr lang="zh-CN" altLang="en-US" smtClean="0"/>
-              <a:t>2022/11/1</a:t>
+              <a:t>2022/11/2</a:t>
             </a:fld>
             <a:endParaRPr lang="zh-CN" altLang="en-US"/>
           </a:p>
@@ -2086,7 +2092,7 @@
           <a:p>
             <a:fld id="{98D2A0CF-219F-4E66-B630-F8156BB9DCB6}" type="datetimeFigureOut">
               <a:rPr lang="zh-CN" altLang="en-US" smtClean="0"/>
-              <a:t>2022/11/1</a:t>
+              <a:t>2022/11/2</a:t>
             </a:fld>
             <a:endParaRPr lang="zh-CN" altLang="en-US"/>
           </a:p>
@@ -2399,7 +2405,7 @@
           <a:p>
             <a:fld id="{98D2A0CF-219F-4E66-B630-F8156BB9DCB6}" type="datetimeFigureOut">
               <a:rPr lang="zh-CN" altLang="en-US" smtClean="0"/>
-              <a:t>2022/11/1</a:t>
+              <a:t>2022/11/2</a:t>
             </a:fld>
             <a:endParaRPr lang="zh-CN" altLang="en-US"/>
           </a:p>
@@ -2688,7 +2694,7 @@
           <a:p>
             <a:fld id="{98D2A0CF-219F-4E66-B630-F8156BB9DCB6}" type="datetimeFigureOut">
               <a:rPr lang="zh-CN" altLang="en-US" smtClean="0"/>
-              <a:t>2022/11/1</a:t>
+              <a:t>2022/11/2</a:t>
             </a:fld>
             <a:endParaRPr lang="zh-CN" altLang="en-US"/>
           </a:p>
@@ -2931,7 +2937,7 @@
           <a:p>
             <a:fld id="{98D2A0CF-219F-4E66-B630-F8156BB9DCB6}" type="datetimeFigureOut">
               <a:rPr lang="zh-CN" altLang="en-US" smtClean="0"/>
-              <a:t>2022/11/1</a:t>
+              <a:t>2022/11/2</a:t>
             </a:fld>
             <a:endParaRPr lang="zh-CN" altLang="en-US"/>
           </a:p>
@@ -3765,6 +3771,124 @@
           <p:cNvPr id="2" name="Title 1">
             <a:extLst>
               <a:ext uri="{FF2B5EF4-FFF2-40B4-BE49-F238E27FC236}">
+                <a16:creationId xmlns:a16="http://schemas.microsoft.com/office/drawing/2014/main" id="{4C1E709E-43F1-A1B2-0DB5-CC279A638965}"/>
+              </a:ext>
+            </a:extLst>
+          </p:cNvPr>
+          <p:cNvSpPr>
+            <a:spLocks noGrp="1"/>
+          </p:cNvSpPr>
+          <p:nvPr>
+            <p:ph type="title"/>
+          </p:nvPr>
+        </p:nvSpPr>
+        <p:spPr/>
+        <p:txBody>
+          <a:bodyPr/>
+          <a:lstStyle/>
+          <a:p>
+            <a:r>
+              <a:rPr lang="en-US" altLang="zh-CN" dirty="0"/>
+              <a:t>Model application</a:t>
+            </a:r>
+            <a:endParaRPr lang="zh-CN" altLang="en-US" dirty="0"/>
+          </a:p>
+        </p:txBody>
+      </p:sp>
+      <p:pic>
+        <p:nvPicPr>
+          <p:cNvPr id="5" name="Content Placeholder 4">
+            <a:extLst>
+              <a:ext uri="{FF2B5EF4-FFF2-40B4-BE49-F238E27FC236}">
+                <a16:creationId xmlns:a16="http://schemas.microsoft.com/office/drawing/2014/main" id="{54199C89-5536-A90C-A6EB-A67ACF05B3A6}"/>
+              </a:ext>
+            </a:extLst>
+          </p:cNvPr>
+          <p:cNvPicPr>
+            <a:picLocks noGrp="1" noChangeAspect="1"/>
+          </p:cNvPicPr>
+          <p:nvPr>
+            <p:ph idx="1"/>
+          </p:nvPr>
+        </p:nvPicPr>
+        <p:blipFill>
+          <a:blip r:embed="rId2"/>
+          <a:stretch>
+            <a:fillRect/>
+          </a:stretch>
+        </p:blipFill>
+        <p:spPr>
+          <a:xfrm>
+            <a:off x="150093" y="1754604"/>
+            <a:ext cx="6458680" cy="4351338"/>
+          </a:xfrm>
+        </p:spPr>
+      </p:pic>
+      <p:pic>
+        <p:nvPicPr>
+          <p:cNvPr id="7" name="Picture 6">
+            <a:extLst>
+              <a:ext uri="{FF2B5EF4-FFF2-40B4-BE49-F238E27FC236}">
+                <a16:creationId xmlns:a16="http://schemas.microsoft.com/office/drawing/2014/main" id="{FC5B746B-CC10-0754-8B8F-67C1DCCDCDB5}"/>
+              </a:ext>
+            </a:extLst>
+          </p:cNvPr>
+          <p:cNvPicPr>
+            <a:picLocks noChangeAspect="1"/>
+          </p:cNvPicPr>
+          <p:nvPr/>
+        </p:nvPicPr>
+        <p:blipFill>
+          <a:blip r:embed="rId3"/>
+          <a:stretch>
+            <a:fillRect/>
+          </a:stretch>
+        </p:blipFill>
+        <p:spPr>
+          <a:xfrm>
+            <a:off x="5711571" y="2343704"/>
+            <a:ext cx="6330336" cy="3573077"/>
+          </a:xfrm>
+          <a:prstGeom prst="rect">
+            <a:avLst/>
+          </a:prstGeom>
+        </p:spPr>
+      </p:pic>
+    </p:spTree>
+    <p:extLst>
+      <p:ext uri="{BB962C8B-B14F-4D97-AF65-F5344CB8AC3E}">
+        <p14:creationId xmlns:p14="http://schemas.microsoft.com/office/powerpoint/2010/main" val="1317035200"/>
+      </p:ext>
+    </p:extLst>
+  </p:cSld>
+  <p:clrMapOvr>
+    <a:masterClrMapping/>
+  </p:clrMapOvr>
+</p:sld>
+</file>
+
+<file path=ppt/slides/slide5.xml><?xml version="1.0" encoding="utf-8"?>
+<p:sld xmlns:a="http://schemas.openxmlformats.org/drawingml/2006/main" xmlns:r="http://schemas.openxmlformats.org/officeDocument/2006/relationships" xmlns:p="http://schemas.openxmlformats.org/presentationml/2006/main">
+  <p:cSld>
+    <p:spTree>
+      <p:nvGrpSpPr>
+        <p:cNvPr id="1" name=""/>
+        <p:cNvGrpSpPr/>
+        <p:nvPr/>
+      </p:nvGrpSpPr>
+      <p:grpSpPr>
+        <a:xfrm>
+          <a:off x="0" y="0"/>
+          <a:ext cx="0" cy="0"/>
+          <a:chOff x="0" y="0"/>
+          <a:chExt cx="0" cy="0"/>
+        </a:xfrm>
+      </p:grpSpPr>
+      <p:sp>
+        <p:nvSpPr>
+          <p:cNvPr id="2" name="Title 1">
+            <a:extLst>
+              <a:ext uri="{FF2B5EF4-FFF2-40B4-BE49-F238E27FC236}">
                 <a16:creationId xmlns:a16="http://schemas.microsoft.com/office/drawing/2014/main" id="{0C12DF4D-3E10-B6F3-6EAF-CFCE30660F9F}"/>
               </a:ext>
             </a:extLst>
@@ -3834,7 +3958,7 @@
 </p:sld>
 </file>
 
-<file path=ppt/slides/slide5.xml><?xml version="1.0" encoding="utf-8"?>
+<file path=ppt/slides/slide6.xml><?xml version="1.0" encoding="utf-8"?>
 <p:sld xmlns:a="http://schemas.openxmlformats.org/drawingml/2006/main" xmlns:r="http://schemas.openxmlformats.org/officeDocument/2006/relationships" xmlns:p="http://schemas.openxmlformats.org/presentationml/2006/main">
   <p:cSld>
     <p:spTree>
@@ -3955,7 +4079,7 @@
 </p:sld>
 </file>
 
-<file path=ppt/slides/slide6.xml><?xml version="1.0" encoding="utf-8"?>
+<file path=ppt/slides/slide7.xml><?xml version="1.0" encoding="utf-8"?>
 <p:sld xmlns:a="http://schemas.openxmlformats.org/drawingml/2006/main" xmlns:r="http://schemas.openxmlformats.org/officeDocument/2006/relationships" xmlns:p="http://schemas.openxmlformats.org/presentationml/2006/main">
   <p:cSld>
     <p:spTree>
@@ -4046,7 +4170,7 @@
 </p:sld>
 </file>
 
-<file path=ppt/slides/slide7.xml><?xml version="1.0" encoding="utf-8"?>
+<file path=ppt/slides/slide8.xml><?xml version="1.0" encoding="utf-8"?>
 <p:sld xmlns:a="http://schemas.openxmlformats.org/drawingml/2006/main" xmlns:r="http://schemas.openxmlformats.org/officeDocument/2006/relationships" xmlns:p="http://schemas.openxmlformats.org/presentationml/2006/main">
   <p:cSld>
     <p:spTree>
